--- a/SMARTFRIDGE.pptx
+++ b/SMARTFRIDGE.pptx
@@ -9,6 +9,7 @@
     <p:sldId id="257" r:id="rId3"/>
     <p:sldId id="258" r:id="rId4"/>
     <p:sldId id="259" r:id="rId5"/>
+    <p:sldId id="260" r:id="rId6"/>
   </p:sldIdLst>
   <p:sldSz cx="9144000" cy="6858000" type="screen4x3"/>
   <p:notesSz cx="6858000" cy="9144000"/>
@@ -15102,6 +15103,107 @@
 </p:sld>
 </file>
 
+<file path=ppt/slides/slide5.xml><?xml version="1.0" encoding="utf-8"?>
+<p:sld xmlns:a="http://schemas.openxmlformats.org/drawingml/2006/main" xmlns:r="http://schemas.openxmlformats.org/officeDocument/2006/relationships" xmlns:p="http://schemas.openxmlformats.org/presentationml/2006/main">
+  <p:cSld>
+    <p:spTree>
+      <p:nvGrpSpPr>
+        <p:cNvPr id="1" name=""/>
+        <p:cNvGrpSpPr/>
+        <p:nvPr/>
+      </p:nvGrpSpPr>
+      <p:grpSpPr>
+        <a:xfrm>
+          <a:off x="0" y="0"/>
+          <a:ext cx="0" cy="0"/>
+          <a:chOff x="0" y="0"/>
+          <a:chExt cx="0" cy="0"/>
+        </a:xfrm>
+      </p:grpSpPr>
+      <p:sp>
+        <p:nvSpPr>
+          <p:cNvPr id="3" name="Titolo 2"/>
+          <p:cNvSpPr>
+            <a:spLocks noGrp="1"/>
+          </p:cNvSpPr>
+          <p:nvPr>
+            <p:ph type="title"/>
+          </p:nvPr>
+        </p:nvSpPr>
+        <p:spPr/>
+        <p:txBody>
+          <a:bodyPr/>
+          <a:lstStyle/>
+          <a:p>
+            <a:r>
+              <a:rPr lang="it-IT" b="1" dirty="0"/>
+              <a:t>ARCHITETTURA</a:t>
+            </a:r>
+            <a:endParaRPr lang="it-IT" dirty="0"/>
+          </a:p>
+        </p:txBody>
+      </p:sp>
+      <p:pic>
+        <p:nvPicPr>
+          <p:cNvPr id="3074" name="Picture 2" descr="C:\Users\User\Desktop\schema.PNG"/>
+          <p:cNvPicPr>
+            <a:picLocks noChangeAspect="1" noChangeArrowheads="1"/>
+          </p:cNvPicPr>
+          <p:nvPr/>
+        </p:nvPicPr>
+        <p:blipFill>
+          <a:blip r:embed="rId2">
+            <a:extLst>
+              <a:ext uri="{28A0092B-C50C-407E-A947-70E740481C1C}">
+                <a14:useLocalDpi xmlns:a14="http://schemas.microsoft.com/office/drawing/2010/main" val="0"/>
+              </a:ext>
+            </a:extLst>
+          </a:blip>
+          <a:srcRect/>
+          <a:stretch>
+            <a:fillRect/>
+          </a:stretch>
+        </p:blipFill>
+        <p:spPr bwMode="auto">
+          <a:xfrm>
+            <a:off x="539552" y="2708920"/>
+            <a:ext cx="7272808" cy="3965065"/>
+          </a:xfrm>
+          <a:prstGeom prst="rect">
+            <a:avLst/>
+          </a:prstGeom>
+          <a:noFill/>
+          <a:extLst>
+            <a:ext uri="{909E8E84-426E-40DD-AFC4-6F175D3DCCD1}">
+              <a14:hiddenFill xmlns:a14="http://schemas.microsoft.com/office/drawing/2010/main">
+                <a:solidFill>
+                  <a:srgbClr val="FFFFFF"/>
+                </a:solidFill>
+              </a14:hiddenFill>
+            </a:ext>
+          </a:extLst>
+        </p:spPr>
+      </p:pic>
+    </p:spTree>
+    <p:extLst>
+      <p:ext uri="{BB962C8B-B14F-4D97-AF65-F5344CB8AC3E}">
+        <p14:creationId xmlns:p14="http://schemas.microsoft.com/office/powerpoint/2010/main" val="566041673"/>
+      </p:ext>
+    </p:extLst>
+  </p:cSld>
+  <p:clrMapOvr>
+    <a:masterClrMapping/>
+  </p:clrMapOvr>
+  <p:timing>
+    <p:tnLst>
+      <p:par>
+        <p:cTn id="1" dur="indefinite" restart="never" nodeType="tmRoot"/>
+      </p:par>
+    </p:tnLst>
+  </p:timing>
+</p:sld>
+</file>
+
 <file path=ppt/theme/theme1.xml><?xml version="1.0" encoding="utf-8"?>
 <a:theme xmlns:a="http://schemas.openxmlformats.org/drawingml/2006/main" name="Onde">
   <a:themeElements>

--- a/SMARTFRIDGE.pptx
+++ b/SMARTFRIDGE.pptx
@@ -9,6 +9,8 @@
     <p:sldId id="257" r:id="rId3"/>
     <p:sldId id="258" r:id="rId4"/>
     <p:sldId id="259" r:id="rId5"/>
+    <p:sldId id="260" r:id="rId6"/>
+    <p:sldId id="262" r:id="rId7"/>
   </p:sldIdLst>
   <p:sldSz cx="9144000" cy="6858000" type="screen4x3"/>
   <p:notesSz cx="6858000" cy="9144000"/>
@@ -14622,8 +14624,8 @@
         </p:nvSpPr>
         <p:spPr>
           <a:xfrm>
-            <a:off x="5076056" y="5201474"/>
-            <a:ext cx="3600400" cy="369332"/>
+            <a:off x="5076056" y="5085184"/>
+            <a:ext cx="3600400" cy="923330"/>
           </a:xfrm>
           <a:prstGeom prst="rect">
             <a:avLst/>
@@ -14667,6 +14669,47 @@
                 </a:solidFill>
               </a:rPr>
               <a:t>Garavaglia</a:t>
+            </a:r>
+            <a:endParaRPr lang="it-IT" dirty="0" smtClean="0">
+              <a:solidFill>
+                <a:schemeClr val="bg1"/>
+              </a:solidFill>
+            </a:endParaRPr>
+          </a:p>
+          <a:p>
+            <a:r>
+              <a:rPr lang="it-IT" dirty="0" smtClean="0">
+                <a:solidFill>
+                  <a:schemeClr val="bg1"/>
+                </a:solidFill>
+              </a:rPr>
+              <a:t>Diego </a:t>
+            </a:r>
+            <a:r>
+              <a:rPr lang="it-IT" dirty="0" err="1" smtClean="0">
+                <a:solidFill>
+                  <a:schemeClr val="bg1"/>
+                </a:solidFill>
+              </a:rPr>
+              <a:t>Kojachi</a:t>
+            </a:r>
+            <a:r>
+              <a:rPr lang="it-IT" dirty="0" smtClean="0">
+                <a:solidFill>
+                  <a:schemeClr val="bg1"/>
+                </a:solidFill>
+              </a:rPr>
+              <a:t> Carrillo, Alessandro </a:t>
+            </a:r>
+          </a:p>
+          <a:p>
+            <a:r>
+              <a:rPr lang="it-IT" dirty="0" err="1" smtClean="0">
+                <a:solidFill>
+                  <a:schemeClr val="bg1"/>
+                </a:solidFill>
+              </a:rPr>
+              <a:t>Salafica</a:t>
             </a:r>
             <a:endParaRPr lang="it-IT" dirty="0" smtClean="0">
               <a:solidFill>
@@ -15102,6 +15145,648 @@
 </p:sld>
 </file>
 
+<file path=ppt/slides/slide5.xml><?xml version="1.0" encoding="utf-8"?>
+<p:sld xmlns:a="http://schemas.openxmlformats.org/drawingml/2006/main" xmlns:r="http://schemas.openxmlformats.org/officeDocument/2006/relationships" xmlns:p="http://schemas.openxmlformats.org/presentationml/2006/main">
+  <p:cSld>
+    <p:spTree>
+      <p:nvGrpSpPr>
+        <p:cNvPr id="1" name=""/>
+        <p:cNvGrpSpPr/>
+        <p:nvPr/>
+      </p:nvGrpSpPr>
+      <p:grpSpPr>
+        <a:xfrm>
+          <a:off x="0" y="0"/>
+          <a:ext cx="0" cy="0"/>
+          <a:chOff x="0" y="0"/>
+          <a:chExt cx="0" cy="0"/>
+        </a:xfrm>
+      </p:grpSpPr>
+      <p:sp>
+        <p:nvSpPr>
+          <p:cNvPr id="3" name="Titolo 2"/>
+          <p:cNvSpPr>
+            <a:spLocks noGrp="1"/>
+          </p:cNvSpPr>
+          <p:nvPr>
+            <p:ph type="title"/>
+          </p:nvPr>
+        </p:nvSpPr>
+        <p:spPr/>
+        <p:txBody>
+          <a:bodyPr/>
+          <a:lstStyle/>
+          <a:p>
+            <a:r>
+              <a:rPr lang="it-IT" b="1" dirty="0"/>
+              <a:t>ARCHITETTURA</a:t>
+            </a:r>
+            <a:endParaRPr lang="it-IT" dirty="0"/>
+          </a:p>
+        </p:txBody>
+      </p:sp>
+      <p:pic>
+        <p:nvPicPr>
+          <p:cNvPr id="3075" name="Picture 3" descr="C:\Users\User\Desktop\Cattura1.PNG"/>
+          <p:cNvPicPr>
+            <a:picLocks noChangeAspect="1" noChangeArrowheads="1"/>
+          </p:cNvPicPr>
+          <p:nvPr/>
+        </p:nvPicPr>
+        <p:blipFill>
+          <a:blip r:embed="rId2">
+            <a:extLst>
+              <a:ext uri="{28A0092B-C50C-407E-A947-70E740481C1C}">
+                <a14:useLocalDpi xmlns:a14="http://schemas.microsoft.com/office/drawing/2010/main" val="0"/>
+              </a:ext>
+            </a:extLst>
+          </a:blip>
+          <a:srcRect/>
+          <a:stretch>
+            <a:fillRect/>
+          </a:stretch>
+        </p:blipFill>
+        <p:spPr bwMode="auto">
+          <a:xfrm>
+            <a:off x="899592" y="2564904"/>
+            <a:ext cx="7097713" cy="3648075"/>
+          </a:xfrm>
+          <a:prstGeom prst="rect">
+            <a:avLst/>
+          </a:prstGeom>
+          <a:noFill/>
+          <a:extLst>
+            <a:ext uri="{909E8E84-426E-40DD-AFC4-6F175D3DCCD1}">
+              <a14:hiddenFill xmlns:a14="http://schemas.microsoft.com/office/drawing/2010/main">
+                <a:solidFill>
+                  <a:srgbClr val="FFFFFF"/>
+                </a:solidFill>
+              </a14:hiddenFill>
+            </a:ext>
+          </a:extLst>
+        </p:spPr>
+      </p:pic>
+    </p:spTree>
+    <p:extLst>
+      <p:ext uri="{BB962C8B-B14F-4D97-AF65-F5344CB8AC3E}">
+        <p14:creationId xmlns:p14="http://schemas.microsoft.com/office/powerpoint/2010/main" val="566041673"/>
+      </p:ext>
+    </p:extLst>
+  </p:cSld>
+  <p:clrMapOvr>
+    <a:masterClrMapping/>
+  </p:clrMapOvr>
+  <p:timing>
+    <p:tnLst>
+      <p:par>
+        <p:cTn id="1" dur="indefinite" restart="never" nodeType="tmRoot"/>
+      </p:par>
+    </p:tnLst>
+  </p:timing>
+</p:sld>
+</file>
+
+<file path=ppt/slides/slide6.xml><?xml version="1.0" encoding="utf-8"?>
+<p:sld xmlns:a="http://schemas.openxmlformats.org/drawingml/2006/main" xmlns:r="http://schemas.openxmlformats.org/officeDocument/2006/relationships" xmlns:p="http://schemas.openxmlformats.org/presentationml/2006/main">
+  <p:cSld>
+    <p:spTree>
+      <p:nvGrpSpPr>
+        <p:cNvPr id="1" name=""/>
+        <p:cNvGrpSpPr/>
+        <p:nvPr/>
+      </p:nvGrpSpPr>
+      <p:grpSpPr>
+        <a:xfrm>
+          <a:off x="0" y="0"/>
+          <a:ext cx="0" cy="0"/>
+          <a:chOff x="0" y="0"/>
+          <a:chExt cx="0" cy="0"/>
+        </a:xfrm>
+      </p:grpSpPr>
+      <p:sp>
+        <p:nvSpPr>
+          <p:cNvPr id="2" name="CasellaDiTesto 1"/>
+          <p:cNvSpPr txBox="1"/>
+          <p:nvPr/>
+        </p:nvSpPr>
+        <p:spPr>
+          <a:xfrm>
+            <a:off x="3203848" y="1556792"/>
+            <a:ext cx="2520280" cy="369332"/>
+          </a:xfrm>
+          <a:prstGeom prst="rect">
+            <a:avLst/>
+          </a:prstGeom>
+          <a:solidFill>
+            <a:schemeClr val="accent1">
+              <a:lumMod val="60000"/>
+              <a:lumOff val="40000"/>
+            </a:schemeClr>
+          </a:solidFill>
+        </p:spPr>
+        <p:txBody>
+          <a:bodyPr wrap="square" rtlCol="0">
+            <a:spAutoFit/>
+          </a:bodyPr>
+          <a:lstStyle/>
+          <a:p>
+            <a:pPr algn="ctr"/>
+            <a:r>
+              <a:rPr lang="it-IT" dirty="0" err="1" smtClean="0"/>
+              <a:t>Main</a:t>
+            </a:r>
+            <a:r>
+              <a:rPr lang="it-IT" dirty="0" smtClean="0"/>
+              <a:t> Activity</a:t>
+            </a:r>
+            <a:endParaRPr lang="it-IT" dirty="0"/>
+          </a:p>
+        </p:txBody>
+      </p:sp>
+      <p:sp>
+        <p:nvSpPr>
+          <p:cNvPr id="9" name="CasellaDiTesto 8"/>
+          <p:cNvSpPr txBox="1"/>
+          <p:nvPr/>
+        </p:nvSpPr>
+        <p:spPr>
+          <a:xfrm>
+            <a:off x="3635896" y="2924944"/>
+            <a:ext cx="1440160" cy="369332"/>
+          </a:xfrm>
+          <a:prstGeom prst="rect">
+            <a:avLst/>
+          </a:prstGeom>
+          <a:solidFill>
+            <a:schemeClr val="accent1">
+              <a:lumMod val="20000"/>
+              <a:lumOff val="80000"/>
+            </a:schemeClr>
+          </a:solidFill>
+        </p:spPr>
+        <p:txBody>
+          <a:bodyPr wrap="square" rtlCol="0">
+            <a:spAutoFit/>
+          </a:bodyPr>
+          <a:lstStyle/>
+          <a:p>
+            <a:pPr algn="ctr"/>
+            <a:r>
+              <a:rPr lang="it-IT" dirty="0" smtClean="0"/>
+              <a:t>Interface</a:t>
+            </a:r>
+            <a:endParaRPr lang="it-IT" dirty="0"/>
+          </a:p>
+        </p:txBody>
+      </p:sp>
+      <p:pic>
+        <p:nvPicPr>
+          <p:cNvPr id="1026" name="Picture 2" descr="C:\Users\User\Downloads\WhatsApp Image 2018-03-01 at 14.26.29.jpeg"/>
+          <p:cNvPicPr>
+            <a:picLocks noChangeAspect="1" noChangeArrowheads="1"/>
+          </p:cNvPicPr>
+          <p:nvPr/>
+        </p:nvPicPr>
+        <p:blipFill rotWithShape="1">
+          <a:blip r:embed="rId2" cstate="print">
+            <a:extLst>
+              <a:ext uri="{28A0092B-C50C-407E-A947-70E740481C1C}">
+                <a14:useLocalDpi xmlns:a14="http://schemas.microsoft.com/office/drawing/2010/main" val="0"/>
+              </a:ext>
+            </a:extLst>
+          </a:blip>
+          <a:srcRect t="4266" b="-4266"/>
+          <a:stretch/>
+        </p:blipFill>
+        <p:spPr bwMode="auto">
+          <a:xfrm>
+            <a:off x="3499946" y="4018081"/>
+            <a:ext cx="1424028" cy="2531604"/>
+          </a:xfrm>
+          <a:prstGeom prst="rect">
+            <a:avLst/>
+          </a:prstGeom>
+          <a:noFill/>
+          <a:extLst>
+            <a:ext uri="{909E8E84-426E-40DD-AFC4-6F175D3DCCD1}">
+              <a14:hiddenFill xmlns:a14="http://schemas.microsoft.com/office/drawing/2010/main">
+                <a:solidFill>
+                  <a:srgbClr val="FFFFFF"/>
+                </a:solidFill>
+              </a14:hiddenFill>
+            </a:ext>
+          </a:extLst>
+        </p:spPr>
+      </p:pic>
+      <p:pic>
+        <p:nvPicPr>
+          <p:cNvPr id="1027" name="Picture 3" descr="C:\Users\User\Downloads\WhatsApp Image 2018-03-01 at 14.26.29 (1).jpeg"/>
+          <p:cNvPicPr>
+            <a:picLocks noChangeAspect="1" noChangeArrowheads="1"/>
+          </p:cNvPicPr>
+          <p:nvPr/>
+        </p:nvPicPr>
+        <p:blipFill rotWithShape="1">
+          <a:blip r:embed="rId3" cstate="print">
+            <a:extLst>
+              <a:ext uri="{28A0092B-C50C-407E-A947-70E740481C1C}">
+                <a14:useLocalDpi xmlns:a14="http://schemas.microsoft.com/office/drawing/2010/main" val="0"/>
+              </a:ext>
+            </a:extLst>
+          </a:blip>
+          <a:srcRect t="3864" b="-3864"/>
+          <a:stretch/>
+        </p:blipFill>
+        <p:spPr bwMode="auto">
+          <a:xfrm>
+            <a:off x="7164288" y="1052736"/>
+            <a:ext cx="1572163" cy="2794957"/>
+          </a:xfrm>
+          <a:prstGeom prst="rect">
+            <a:avLst/>
+          </a:prstGeom>
+          <a:noFill/>
+          <a:extLst>
+            <a:ext uri="{909E8E84-426E-40DD-AFC4-6F175D3DCCD1}">
+              <a14:hiddenFill xmlns:a14="http://schemas.microsoft.com/office/drawing/2010/main">
+                <a:solidFill>
+                  <a:srgbClr val="FFFFFF"/>
+                </a:solidFill>
+              </a14:hiddenFill>
+            </a:ext>
+          </a:extLst>
+        </p:spPr>
+      </p:pic>
+      <p:pic>
+        <p:nvPicPr>
+          <p:cNvPr id="1028" name="Picture 4" descr="C:\Users\User\Downloads\WhatsApp Image 2018-03-01 at 14.26.29 (2).jpeg"/>
+          <p:cNvPicPr>
+            <a:picLocks noChangeAspect="1" noChangeArrowheads="1"/>
+          </p:cNvPicPr>
+          <p:nvPr/>
+        </p:nvPicPr>
+        <p:blipFill rotWithShape="1">
+          <a:blip r:embed="rId4" cstate="print">
+            <a:extLst>
+              <a:ext uri="{28A0092B-C50C-407E-A947-70E740481C1C}">
+                <a14:useLocalDpi xmlns:a14="http://schemas.microsoft.com/office/drawing/2010/main" val="0"/>
+              </a:ext>
+            </a:extLst>
+          </a:blip>
+          <a:srcRect t="4034" b="-4034"/>
+          <a:stretch/>
+        </p:blipFill>
+        <p:spPr bwMode="auto">
+          <a:xfrm>
+            <a:off x="5220072" y="4018080"/>
+            <a:ext cx="1505860" cy="2677085"/>
+          </a:xfrm>
+          <a:prstGeom prst="rect">
+            <a:avLst/>
+          </a:prstGeom>
+          <a:noFill/>
+          <a:extLst>
+            <a:ext uri="{909E8E84-426E-40DD-AFC4-6F175D3DCCD1}">
+              <a14:hiddenFill xmlns:a14="http://schemas.microsoft.com/office/drawing/2010/main">
+                <a:solidFill>
+                  <a:srgbClr val="FFFFFF"/>
+                </a:solidFill>
+              </a14:hiddenFill>
+            </a:ext>
+          </a:extLst>
+        </p:spPr>
+      </p:pic>
+      <p:pic>
+        <p:nvPicPr>
+          <p:cNvPr id="1029" name="Picture 5" descr="C:\Users\User\Downloads\WhatsApp Image 2018-03-01 at 14.26.29 (3).jpeg"/>
+          <p:cNvPicPr>
+            <a:picLocks noChangeAspect="1" noChangeArrowheads="1"/>
+          </p:cNvPicPr>
+          <p:nvPr/>
+        </p:nvPicPr>
+        <p:blipFill rotWithShape="1">
+          <a:blip r:embed="rId5" cstate="print">
+            <a:extLst>
+              <a:ext uri="{28A0092B-C50C-407E-A947-70E740481C1C}">
+                <a14:useLocalDpi xmlns:a14="http://schemas.microsoft.com/office/drawing/2010/main" val="0"/>
+              </a:ext>
+            </a:extLst>
+          </a:blip>
+          <a:srcRect t="3309" b="-3285"/>
+          <a:stretch/>
+        </p:blipFill>
+        <p:spPr bwMode="auto">
+          <a:xfrm>
+            <a:off x="467542" y="928473"/>
+            <a:ext cx="1406547" cy="2500527"/>
+          </a:xfrm>
+          <a:prstGeom prst="rect">
+            <a:avLst/>
+          </a:prstGeom>
+          <a:noFill/>
+          <a:extLst>
+            <a:ext uri="{909E8E84-426E-40DD-AFC4-6F175D3DCCD1}">
+              <a14:hiddenFill xmlns:a14="http://schemas.microsoft.com/office/drawing/2010/main">
+                <a:solidFill>
+                  <a:srgbClr val="FFFFFF"/>
+                </a:solidFill>
+              </a14:hiddenFill>
+            </a:ext>
+          </a:extLst>
+        </p:spPr>
+      </p:pic>
+      <p:pic>
+        <p:nvPicPr>
+          <p:cNvPr id="1030" name="Picture 6" descr="C:\Users\User\Downloads\WhatsApp Image 2018-03-01 at 14.26.29 (4).jpeg"/>
+          <p:cNvPicPr>
+            <a:picLocks noChangeAspect="1" noChangeArrowheads="1"/>
+          </p:cNvPicPr>
+          <p:nvPr/>
+        </p:nvPicPr>
+        <p:blipFill rotWithShape="1">
+          <a:blip r:embed="rId6" cstate="print">
+            <a:extLst>
+              <a:ext uri="{28A0092B-C50C-407E-A947-70E740481C1C}">
+                <a14:useLocalDpi xmlns:a14="http://schemas.microsoft.com/office/drawing/2010/main" val="0"/>
+              </a:ext>
+            </a:extLst>
+          </a:blip>
+          <a:srcRect t="3673" b="-3673"/>
+          <a:stretch/>
+        </p:blipFill>
+        <p:spPr bwMode="auto">
+          <a:xfrm>
+            <a:off x="1759361" y="4018081"/>
+            <a:ext cx="1444487" cy="2567978"/>
+          </a:xfrm>
+          <a:prstGeom prst="rect">
+            <a:avLst/>
+          </a:prstGeom>
+          <a:noFill/>
+          <a:extLst>
+            <a:ext uri="{909E8E84-426E-40DD-AFC4-6F175D3DCCD1}">
+              <a14:hiddenFill xmlns:a14="http://schemas.microsoft.com/office/drawing/2010/main">
+                <a:solidFill>
+                  <a:srgbClr val="FFFFFF"/>
+                </a:solidFill>
+              </a14:hiddenFill>
+            </a:ext>
+          </a:extLst>
+        </p:spPr>
+      </p:pic>
+      <p:sp>
+        <p:nvSpPr>
+          <p:cNvPr id="10" name="Freccia a destra 9"/>
+          <p:cNvSpPr/>
+          <p:nvPr/>
+        </p:nvSpPr>
+        <p:spPr>
+          <a:xfrm>
+            <a:off x="2195736" y="1556792"/>
+            <a:ext cx="720080" cy="369332"/>
+          </a:xfrm>
+          <a:prstGeom prst="rightArrow">
+            <a:avLst/>
+          </a:prstGeom>
+        </p:spPr>
+        <p:style>
+          <a:lnRef idx="2">
+            <a:schemeClr val="accent1">
+              <a:shade val="50000"/>
+            </a:schemeClr>
+          </a:lnRef>
+          <a:fillRef idx="1">
+            <a:schemeClr val="accent1"/>
+          </a:fillRef>
+          <a:effectRef idx="0">
+            <a:schemeClr val="accent1"/>
+          </a:effectRef>
+          <a:fontRef idx="minor">
+            <a:schemeClr val="lt1"/>
+          </a:fontRef>
+        </p:style>
+        <p:txBody>
+          <a:bodyPr rtlCol="0" anchor="ctr"/>
+          <a:lstStyle/>
+          <a:p>
+            <a:pPr algn="ctr"/>
+            <a:endParaRPr lang="it-IT"/>
+          </a:p>
+        </p:txBody>
+      </p:sp>
+      <p:sp>
+        <p:nvSpPr>
+          <p:cNvPr id="11" name="Freccia bidirezionale orizzontale 10"/>
+          <p:cNvSpPr/>
+          <p:nvPr/>
+        </p:nvSpPr>
+        <p:spPr>
+          <a:xfrm>
+            <a:off x="5973002" y="1556792"/>
+            <a:ext cx="903254" cy="369332"/>
+          </a:xfrm>
+          <a:prstGeom prst="leftRightArrow">
+            <a:avLst/>
+          </a:prstGeom>
+        </p:spPr>
+        <p:style>
+          <a:lnRef idx="2">
+            <a:schemeClr val="accent1">
+              <a:shade val="50000"/>
+            </a:schemeClr>
+          </a:lnRef>
+          <a:fillRef idx="1">
+            <a:schemeClr val="accent1"/>
+          </a:fillRef>
+          <a:effectRef idx="0">
+            <a:schemeClr val="accent1"/>
+          </a:effectRef>
+          <a:fontRef idx="minor">
+            <a:schemeClr val="lt1"/>
+          </a:fontRef>
+        </p:style>
+        <p:txBody>
+          <a:bodyPr rtlCol="0" anchor="ctr"/>
+          <a:lstStyle/>
+          <a:p>
+            <a:pPr algn="ctr"/>
+            <a:endParaRPr lang="it-IT"/>
+          </a:p>
+        </p:txBody>
+      </p:sp>
+      <p:sp>
+        <p:nvSpPr>
+          <p:cNvPr id="12" name="Freccia bidirezionale verticale 11"/>
+          <p:cNvSpPr/>
+          <p:nvPr/>
+        </p:nvSpPr>
+        <p:spPr>
+          <a:xfrm>
+            <a:off x="4120716" y="2090174"/>
+            <a:ext cx="360040" cy="720080"/>
+          </a:xfrm>
+          <a:prstGeom prst="upDownArrow">
+            <a:avLst/>
+          </a:prstGeom>
+        </p:spPr>
+        <p:style>
+          <a:lnRef idx="2">
+            <a:schemeClr val="accent1">
+              <a:shade val="50000"/>
+            </a:schemeClr>
+          </a:lnRef>
+          <a:fillRef idx="1">
+            <a:schemeClr val="accent1"/>
+          </a:fillRef>
+          <a:effectRef idx="0">
+            <a:schemeClr val="accent1"/>
+          </a:effectRef>
+          <a:fontRef idx="minor">
+            <a:schemeClr val="lt1"/>
+          </a:fontRef>
+        </p:style>
+        <p:txBody>
+          <a:bodyPr rtlCol="0" anchor="ctr"/>
+          <a:lstStyle/>
+          <a:p>
+            <a:pPr algn="ctr"/>
+            <a:endParaRPr lang="it-IT"/>
+          </a:p>
+        </p:txBody>
+      </p:sp>
+      <p:sp>
+        <p:nvSpPr>
+          <p:cNvPr id="13" name="Freccia bidirezionale verticale 12"/>
+          <p:cNvSpPr/>
+          <p:nvPr/>
+        </p:nvSpPr>
+        <p:spPr>
+          <a:xfrm rot="3033904">
+            <a:off x="2891211" y="3092084"/>
+            <a:ext cx="216024" cy="916356"/>
+          </a:xfrm>
+          <a:prstGeom prst="upDownArrow">
+            <a:avLst/>
+          </a:prstGeom>
+        </p:spPr>
+        <p:style>
+          <a:lnRef idx="2">
+            <a:schemeClr val="accent1">
+              <a:shade val="50000"/>
+            </a:schemeClr>
+          </a:lnRef>
+          <a:fillRef idx="1">
+            <a:schemeClr val="accent1"/>
+          </a:fillRef>
+          <a:effectRef idx="0">
+            <a:schemeClr val="accent1"/>
+          </a:effectRef>
+          <a:fontRef idx="minor">
+            <a:schemeClr val="lt1"/>
+          </a:fontRef>
+        </p:style>
+        <p:txBody>
+          <a:bodyPr rtlCol="0" anchor="ctr"/>
+          <a:lstStyle/>
+          <a:p>
+            <a:pPr algn="ctr"/>
+            <a:endParaRPr lang="it-IT"/>
+          </a:p>
+        </p:txBody>
+      </p:sp>
+      <p:sp>
+        <p:nvSpPr>
+          <p:cNvPr id="14" name="Freccia bidirezionale verticale 13"/>
+          <p:cNvSpPr/>
+          <p:nvPr/>
+        </p:nvSpPr>
+        <p:spPr>
+          <a:xfrm>
+            <a:off x="4175956" y="3429000"/>
+            <a:ext cx="288032" cy="504056"/>
+          </a:xfrm>
+          <a:prstGeom prst="upDownArrow">
+            <a:avLst/>
+          </a:prstGeom>
+        </p:spPr>
+        <p:style>
+          <a:lnRef idx="2">
+            <a:schemeClr val="accent1">
+              <a:shade val="50000"/>
+            </a:schemeClr>
+          </a:lnRef>
+          <a:fillRef idx="1">
+            <a:schemeClr val="accent1"/>
+          </a:fillRef>
+          <a:effectRef idx="0">
+            <a:schemeClr val="accent1"/>
+          </a:effectRef>
+          <a:fontRef idx="minor">
+            <a:schemeClr val="lt1"/>
+          </a:fontRef>
+        </p:style>
+        <p:txBody>
+          <a:bodyPr rtlCol="0" anchor="ctr"/>
+          <a:lstStyle/>
+          <a:p>
+            <a:pPr algn="ctr"/>
+            <a:endParaRPr lang="it-IT"/>
+          </a:p>
+        </p:txBody>
+      </p:sp>
+      <p:sp>
+        <p:nvSpPr>
+          <p:cNvPr id="15" name="Freccia bidirezionale verticale 14"/>
+          <p:cNvSpPr/>
+          <p:nvPr/>
+        </p:nvSpPr>
+        <p:spPr>
+          <a:xfrm rot="18557620">
+            <a:off x="5540667" y="3090870"/>
+            <a:ext cx="203189" cy="924785"/>
+          </a:xfrm>
+          <a:prstGeom prst="upDownArrow">
+            <a:avLst/>
+          </a:prstGeom>
+        </p:spPr>
+        <p:style>
+          <a:lnRef idx="2">
+            <a:schemeClr val="accent1">
+              <a:shade val="50000"/>
+            </a:schemeClr>
+          </a:lnRef>
+          <a:fillRef idx="1">
+            <a:schemeClr val="accent1"/>
+          </a:fillRef>
+          <a:effectRef idx="0">
+            <a:schemeClr val="accent1"/>
+          </a:effectRef>
+          <a:fontRef idx="minor">
+            <a:schemeClr val="lt1"/>
+          </a:fontRef>
+        </p:style>
+        <p:txBody>
+          <a:bodyPr rtlCol="0" anchor="ctr"/>
+          <a:lstStyle/>
+          <a:p>
+            <a:pPr algn="ctr"/>
+            <a:endParaRPr lang="it-IT"/>
+          </a:p>
+        </p:txBody>
+      </p:sp>
+    </p:spTree>
+    <p:extLst>
+      <p:ext uri="{BB962C8B-B14F-4D97-AF65-F5344CB8AC3E}">
+        <p14:creationId xmlns:p14="http://schemas.microsoft.com/office/powerpoint/2010/main" val="3820637"/>
+      </p:ext>
+    </p:extLst>
+  </p:cSld>
+  <p:clrMapOvr>
+    <a:masterClrMapping/>
+  </p:clrMapOvr>
+</p:sld>
+</file>
+
 <file path=ppt/theme/theme1.xml><?xml version="1.0" encoding="utf-8"?>
 <a:theme xmlns:a="http://schemas.openxmlformats.org/drawingml/2006/main" name="Onde">
   <a:themeElements>

--- a/SMARTFRIDGE.pptx
+++ b/SMARTFRIDGE.pptx
@@ -1977,6 +1977,9 @@
   <p:clrMapOvr>
     <a:masterClrMapping/>
   </p:clrMapOvr>
+  <p:transition spd="slow">
+    <p:push/>
+  </p:transition>
 </p:sldLayout>
 </file>
 
@@ -2158,6 +2161,9 @@
   <p:clrMapOvr>
     <a:masterClrMapping/>
   </p:clrMapOvr>
+  <p:transition spd="slow">
+    <p:push/>
+  </p:transition>
 </p:sldLayout>
 </file>
 
@@ -3993,6 +3999,9 @@
   <p:clrMapOvr>
     <a:masterClrMapping/>
   </p:clrMapOvr>
+  <p:transition spd="slow">
+    <p:push/>
+  </p:transition>
 </p:sldLayout>
 </file>
 
@@ -4158,6 +4167,9 @@
   <p:clrMapOvr>
     <a:masterClrMapping/>
   </p:clrMapOvr>
+  <p:transition spd="slow">
+    <p:push/>
+  </p:transition>
 </p:sldLayout>
 </file>
 
@@ -6005,6 +6017,9 @@
   <p:clrMapOvr>
     <a:masterClrMapping/>
   </p:clrMapOvr>
+  <p:transition spd="slow">
+    <p:push/>
+  </p:transition>
 </p:sldLayout>
 </file>
 
@@ -6232,6 +6247,9 @@
   <p:clrMapOvr>
     <a:masterClrMapping/>
   </p:clrMapOvr>
+  <p:transition spd="slow">
+    <p:push/>
+  </p:transition>
 </p:sldLayout>
 </file>
 
@@ -6659,6 +6677,9 @@
   <p:clrMapOvr>
     <a:masterClrMapping/>
   </p:clrMapOvr>
+  <p:transition spd="slow">
+    <p:push/>
+  </p:transition>
 </p:sldLayout>
 </file>
 
@@ -6772,6 +6793,9 @@
   <p:clrMapOvr>
     <a:masterClrMapping/>
   </p:clrMapOvr>
+  <p:transition spd="slow">
+    <p:push/>
+  </p:transition>
 </p:sldLayout>
 </file>
 
@@ -8483,6 +8507,9 @@
   <p:clrMapOvr>
     <a:masterClrMapping/>
   </p:clrMapOvr>
+  <p:transition spd="slow">
+    <p:push/>
+  </p:transition>
 </p:sldLayout>
 </file>
 
@@ -10429,6 +10456,9 @@
   <p:clrMapOvr>
     <a:masterClrMapping/>
   </p:clrMapOvr>
+  <p:transition spd="slow">
+    <p:push/>
+  </p:transition>
 </p:sldLayout>
 </file>
 
@@ -12343,6 +12373,9 @@
   <p:clrMapOvr>
     <a:masterClrMapping/>
   </p:clrMapOvr>
+  <p:transition spd="slow">
+    <p:push/>
+  </p:transition>
 </p:sldLayout>
 </file>
 
@@ -14213,6 +14246,9 @@
     <p:sldLayoutId id="2147483718" r:id="rId10"/>
     <p:sldLayoutId id="2147483719" r:id="rId11"/>
   </p:sldLayoutIdLst>
+  <p:transition spd="slow">
+    <p:push/>
+  </p:transition>
   <p:txStyles>
     <p:titleStyle>
       <a:lvl1pPr algn="ctr" defTabSz="914400" rtl="0" eaLnBrk="1" latinLnBrk="0" hangingPunct="1">
@@ -14770,6 +14806,18 @@
   <p:clrMapOvr>
     <a:masterClrMapping/>
   </p:clrMapOvr>
+  <mc:AlternateContent xmlns:mc="http://schemas.openxmlformats.org/markup-compatibility/2006">
+    <mc:Choice xmlns:p14="http://schemas.microsoft.com/office/powerpoint/2010/main" Requires="p14">
+      <p:transition spd="slow" p14:dur="1250">
+        <p14:flash/>
+      </p:transition>
+    </mc:Choice>
+    <mc:Fallback>
+      <p:transition spd="slow">
+        <p:fade/>
+      </p:transition>
+    </mc:Fallback>
+  </mc:AlternateContent>
   <p:timing>
     <p:tnLst>
       <p:par>
@@ -14864,6 +14912,9 @@
   <p:clrMapOvr>
     <a:masterClrMapping/>
   </p:clrMapOvr>
+  <p:transition spd="slow">
+    <p:push/>
+  </p:transition>
   <p:timing>
     <p:tnLst>
       <p:par>
@@ -14922,15 +14973,23 @@
             </a:r>
             <a:r>
               <a:rPr lang="it-IT" dirty="0"/>
-              <a:t>più interessante del progetto, l’</a:t>
+              <a:t>più interessante del progetto, </a:t>
             </a:r>
             <a:r>
-              <a:rPr lang="it-IT" dirty="0" err="1"/>
+              <a:rPr lang="it-IT" dirty="0" smtClean="0"/>
+              <a:t>è l’</a:t>
+            </a:r>
+            <a:r>
+              <a:rPr lang="it-IT" dirty="0" err="1" smtClean="0"/>
               <a:t>app</a:t>
             </a:r>
             <a:r>
+              <a:rPr lang="it-IT" dirty="0" smtClean="0"/>
+              <a:t> che consente </a:t>
+            </a:r>
+            <a:r>
               <a:rPr lang="it-IT" dirty="0"/>
-              <a:t> consente di visionare gli alimenti presenti nel proprio frigorifero, ovunque ci si trovi. </a:t>
+              <a:t>di visionare gli alimenti presenti nel proprio frigorifero, ovunque ci si trovi. </a:t>
             </a:r>
             <a:r>
               <a:rPr lang="it-IT" dirty="0" smtClean="0"/>
@@ -14973,7 +15032,15 @@
             </a:pPr>
             <a:r>
               <a:rPr lang="it-IT" dirty="0" smtClean="0"/>
-              <a:t>E’ previsto la connessione al frigo anche tramite il sito, che ha le stesse funzioni dell’ applicazione.</a:t>
+              <a:t>E’ </a:t>
+            </a:r>
+            <a:r>
+              <a:rPr lang="it-IT" dirty="0" smtClean="0"/>
+              <a:t>prevista </a:t>
+            </a:r>
+            <a:r>
+              <a:rPr lang="it-IT" dirty="0" smtClean="0"/>
+              <a:t>la connessione al frigo anche tramite il sito, che ha le stesse funzioni dell’ applicazione.</a:t>
             </a:r>
           </a:p>
           <a:p>
@@ -15034,6 +15101,9 @@
   <p:clrMapOvr>
     <a:masterClrMapping/>
   </p:clrMapOvr>
+  <p:transition spd="slow">
+    <p:push/>
+  </p:transition>
   <p:timing>
     <p:tnLst>
       <p:par>
@@ -15135,6 +15205,9 @@
   <p:clrMapOvr>
     <a:masterClrMapping/>
   </p:clrMapOvr>
+  <p:transition spd="slow">
+    <p:push/>
+  </p:transition>
   <p:timing>
     <p:tnLst>
       <p:par>
@@ -15236,6 +15309,9 @@
   <p:clrMapOvr>
     <a:masterClrMapping/>
   </p:clrMapOvr>
+  <p:transition spd="slow">
+    <p:push/>
+  </p:transition>
   <p:timing>
     <p:tnLst>
       <p:par>
@@ -15784,6 +15860,16 @@
   <p:clrMapOvr>
     <a:masterClrMapping/>
   </p:clrMapOvr>
+  <p:transition spd="slow">
+    <p:push/>
+  </p:transition>
+  <p:timing>
+    <p:tnLst>
+      <p:par>
+        <p:cTn id="1" dur="indefinite" restart="never" nodeType="tmRoot"/>
+      </p:par>
+    </p:tnLst>
+  </p:timing>
 </p:sld>
 </file>
 
